--- a/Week12/Week 12 - 03. Behavior-Driven Development.pptx
+++ b/Week12/Week 12 - 03. Behavior-Driven Development.pptx
@@ -114,6 +114,35 @@
 </p:presentation>
 </file>
 
+<file path=ppt/changesInfos/changesInfo1.xml><?xml version="1.0" encoding="utf-8"?>
+<pc:chgInfo xmlns:a="http://schemas.openxmlformats.org/drawingml/2006/main" xmlns:r="http://schemas.openxmlformats.org/officeDocument/2006/relationships" xmlns:ac="http://schemas.microsoft.com/office/drawing/2013/main/command" xmlns:pc="http://schemas.microsoft.com/office/powerpoint/2013/main/command">
+  <pc:docChgLst>
+    <pc:chgData name="Chuck Kiefriter" userId="a996b49251c4dfd2" providerId="LiveId" clId="{C526E278-3600-4A88-9898-9388EA84518A}"/>
+    <pc:docChg chg="custSel modSld">
+      <pc:chgData name="Chuck Kiefriter" userId="a996b49251c4dfd2" providerId="LiveId" clId="{C526E278-3600-4A88-9898-9388EA84518A}" dt="2024-03-06T00:33:46.984" v="1" actId="27636"/>
+      <pc:docMkLst>
+        <pc:docMk/>
+      </pc:docMkLst>
+      <pc:sldChg chg="modSp mod">
+        <pc:chgData name="Chuck Kiefriter" userId="a996b49251c4dfd2" providerId="LiveId" clId="{C526E278-3600-4A88-9898-9388EA84518A}" dt="2024-03-06T00:33:46.984" v="1" actId="27636"/>
+        <pc:sldMkLst>
+          <pc:docMk/>
+          <pc:sldMk cId="962032112" sldId="258"/>
+        </pc:sldMkLst>
+        <pc:spChg chg="mod">
+          <ac:chgData name="Chuck Kiefriter" userId="a996b49251c4dfd2" providerId="LiveId" clId="{C526E278-3600-4A88-9898-9388EA84518A}" dt="2024-03-06T00:33:46.984" v="1" actId="27636"/>
+          <ac:spMkLst>
+            <pc:docMk/>
+            <pc:sldMk cId="962032112" sldId="258"/>
+            <ac:spMk id="3" creationId="{A4C2E80F-4F44-4379-BB95-098898956400}"/>
+          </ac:spMkLst>
+        </pc:spChg>
+      </pc:sldChg>
+    </pc:docChg>
+  </pc:docChgLst>
+</pc:chgInfo>
+</file>
+
 <file path=ppt/slideLayouts/slideLayout1.xml><?xml version="1.0" encoding="utf-8"?>
 <p:sldLayout xmlns:a="http://schemas.openxmlformats.org/drawingml/2006/main" xmlns:r="http://schemas.openxmlformats.org/officeDocument/2006/relationships" xmlns:p="http://schemas.openxmlformats.org/presentationml/2006/main" showMasterSp="0" type="title" preserve="1">
   <p:cSld name="Title Slide">
@@ -310,7 +339,7 @@
           <a:p>
             <a:fld id="{548C5E67-172B-4F6A-B3B9-DEF72F952E5B}" type="datetimeFigureOut">
               <a:rPr lang="en-US" smtClean="0"/>
-              <a:t>8/7/2021</a:t>
+              <a:t>3/5/2024</a:t>
             </a:fld>
             <a:endParaRPr lang="en-US"/>
           </a:p>
@@ -534,7 +563,7 @@
           <a:p>
             <a:fld id="{548C5E67-172B-4F6A-B3B9-DEF72F952E5B}" type="datetimeFigureOut">
               <a:rPr lang="en-US" smtClean="0"/>
-              <a:t>8/7/2021</a:t>
+              <a:t>3/5/2024</a:t>
             </a:fld>
             <a:endParaRPr lang="en-US"/>
           </a:p>
@@ -714,7 +743,7 @@
           <a:p>
             <a:fld id="{548C5E67-172B-4F6A-B3B9-DEF72F952E5B}" type="datetimeFigureOut">
               <a:rPr lang="en-US" smtClean="0"/>
-              <a:t>8/7/2021</a:t>
+              <a:t>3/5/2024</a:t>
             </a:fld>
             <a:endParaRPr lang="en-US"/>
           </a:p>
@@ -923,7 +952,7 @@
           <a:p>
             <a:fld id="{548C5E67-172B-4F6A-B3B9-DEF72F952E5B}" type="datetimeFigureOut">
               <a:rPr lang="en-US" smtClean="0"/>
-              <a:t>8/7/2021</a:t>
+              <a:t>3/5/2024</a:t>
             </a:fld>
             <a:endParaRPr lang="en-US"/>
           </a:p>
@@ -1216,7 +1245,7 @@
           <a:p>
             <a:fld id="{548C5E67-172B-4F6A-B3B9-DEF72F952E5B}" type="datetimeFigureOut">
               <a:rPr lang="en-US" smtClean="0"/>
-              <a:t>8/7/2021</a:t>
+              <a:t>3/5/2024</a:t>
             </a:fld>
             <a:endParaRPr lang="en-US"/>
           </a:p>
@@ -1569,7 +1598,7 @@
           <a:p>
             <a:fld id="{548C5E67-172B-4F6A-B3B9-DEF72F952E5B}" type="datetimeFigureOut">
               <a:rPr lang="en-US" smtClean="0"/>
-              <a:t>8/7/2021</a:t>
+              <a:t>3/5/2024</a:t>
             </a:fld>
             <a:endParaRPr lang="en-US"/>
           </a:p>
@@ -2005,7 +2034,7 @@
           <a:p>
             <a:fld id="{548C5E67-172B-4F6A-B3B9-DEF72F952E5B}" type="datetimeFigureOut">
               <a:rPr lang="en-US" smtClean="0"/>
-              <a:t>8/7/2021</a:t>
+              <a:t>3/5/2024</a:t>
             </a:fld>
             <a:endParaRPr lang="en-US"/>
           </a:p>
@@ -2128,7 +2157,7 @@
           <a:p>
             <a:fld id="{548C5E67-172B-4F6A-B3B9-DEF72F952E5B}" type="datetimeFigureOut">
               <a:rPr lang="en-US" smtClean="0"/>
-              <a:t>8/7/2021</a:t>
+              <a:t>3/5/2024</a:t>
             </a:fld>
             <a:endParaRPr lang="en-US"/>
           </a:p>
@@ -2223,7 +2252,7 @@
           <a:p>
             <a:fld id="{548C5E67-172B-4F6A-B3B9-DEF72F952E5B}" type="datetimeFigureOut">
               <a:rPr lang="en-US" smtClean="0"/>
-              <a:t>8/7/2021</a:t>
+              <a:t>3/5/2024</a:t>
             </a:fld>
             <a:endParaRPr lang="en-US"/>
           </a:p>
@@ -2522,7 +2551,7 @@
           <a:p>
             <a:fld id="{548C5E67-172B-4F6A-B3B9-DEF72F952E5B}" type="datetimeFigureOut">
               <a:rPr lang="en-US" smtClean="0"/>
-              <a:t>8/7/2021</a:t>
+              <a:t>3/5/2024</a:t>
             </a:fld>
             <a:endParaRPr lang="en-US"/>
           </a:p>
@@ -2799,7 +2828,7 @@
           <a:p>
             <a:fld id="{548C5E67-172B-4F6A-B3B9-DEF72F952E5B}" type="datetimeFigureOut">
               <a:rPr lang="en-US" smtClean="0"/>
-              <a:t>8/7/2021</a:t>
+              <a:t>3/5/2024</a:t>
             </a:fld>
             <a:endParaRPr lang="en-US"/>
           </a:p>
@@ -3049,7 +3078,7 @@
           <a:p>
             <a:fld id="{548C5E67-172B-4F6A-B3B9-DEF72F952E5B}" type="datetimeFigureOut">
               <a:rPr lang="en-US" smtClean="0"/>
-              <a:t>8/7/2021</a:t>
+              <a:t>3/5/2024</a:t>
             </a:fld>
             <a:endParaRPr lang="en-US"/>
           </a:p>
@@ -3599,13 +3628,13 @@
   <p:clrMapOvr>
     <a:masterClrMapping/>
   </p:clrMapOvr>
-  <mc:AlternateContent xmlns:mc="http://schemas.openxmlformats.org/markup-compatibility/2006">
-    <mc:Choice xmlns:p14="http://schemas.microsoft.com/office/powerpoint/2010/main" Requires="p14">
+  <mc:AlternateContent xmlns:mc="http://schemas.openxmlformats.org/markup-compatibility/2006" xmlns:p14="http://schemas.microsoft.com/office/powerpoint/2010/main">
+    <mc:Choice Requires="p14">
       <p:transition spd="med" p14:dur="700">
         <p:fade/>
       </p:transition>
     </mc:Choice>
-    <mc:Fallback>
+    <mc:Fallback xmlns="">
       <p:transition spd="med">
         <p:fade/>
       </p:transition>
@@ -3765,13 +3794,13 @@
   <p:clrMapOvr>
     <a:masterClrMapping/>
   </p:clrMapOvr>
-  <mc:AlternateContent xmlns:mc="http://schemas.openxmlformats.org/markup-compatibility/2006">
-    <mc:Choice xmlns:p14="http://schemas.microsoft.com/office/powerpoint/2010/main" Requires="p14">
+  <mc:AlternateContent xmlns:mc="http://schemas.openxmlformats.org/markup-compatibility/2006" xmlns:p14="http://schemas.microsoft.com/office/powerpoint/2010/main">
+    <mc:Choice Requires="p14">
       <p:transition spd="med" p14:dur="700">
         <p:fade/>
       </p:transition>
     </mc:Choice>
-    <mc:Fallback>
+    <mc:Fallback xmlns="">
       <p:transition spd="med">
         <p:fade/>
       </p:transition>
@@ -3841,10 +3870,15 @@
             <p:ph idx="1"/>
           </p:nvPr>
         </p:nvSpPr>
-        <p:spPr/>
+        <p:spPr>
+          <a:xfrm>
+            <a:off x="1261872" y="1828800"/>
+            <a:ext cx="9784080" cy="4351337"/>
+          </a:xfrm>
+        </p:spPr>
         <p:txBody>
           <a:bodyPr>
-            <a:normAutofit lnSpcReduction="10000"/>
+            <a:normAutofit/>
           </a:bodyPr>
           <a:lstStyle/>
           <a:p>
@@ -3911,13 +3945,13 @@
   <p:clrMapOvr>
     <a:masterClrMapping/>
   </p:clrMapOvr>
-  <mc:AlternateContent xmlns:mc="http://schemas.openxmlformats.org/markup-compatibility/2006">
-    <mc:Choice xmlns:p14="http://schemas.microsoft.com/office/powerpoint/2010/main" Requires="p14">
+  <mc:AlternateContent xmlns:mc="http://schemas.openxmlformats.org/markup-compatibility/2006" xmlns:p14="http://schemas.microsoft.com/office/powerpoint/2010/main">
+    <mc:Choice Requires="p14">
       <p:transition spd="med" p14:dur="700">
         <p:fade/>
       </p:transition>
     </mc:Choice>
-    <mc:Fallback>
+    <mc:Fallback xmlns="">
       <p:transition spd="med">
         <p:fade/>
       </p:transition>
